--- a/presentation1.pptx
+++ b/presentation1.pptx
@@ -6,7 +6,7 @@
     <p:sldMasterId id="2147483661" r:id="rId2"/>
   </p:sldMasterIdLst>
   <p:notesMasterIdLst>
-    <p:notesMasterId r:id="rId14"/>
+    <p:notesMasterId r:id="rId16"/>
   </p:notesMasterIdLst>
   <p:sldIdLst>
     <p:sldId id="256" r:id="rId3"/>
@@ -16,10 +16,12 @@
     <p:sldId id="263" r:id="rId7"/>
     <p:sldId id="266" r:id="rId8"/>
     <p:sldId id="265" r:id="rId9"/>
-    <p:sldId id="264" r:id="rId10"/>
-    <p:sldId id="268" r:id="rId11"/>
-    <p:sldId id="261" r:id="rId12"/>
-    <p:sldId id="262" r:id="rId13"/>
+    <p:sldId id="272" r:id="rId10"/>
+    <p:sldId id="264" r:id="rId11"/>
+    <p:sldId id="268" r:id="rId12"/>
+    <p:sldId id="273" r:id="rId13"/>
+    <p:sldId id="261" r:id="rId14"/>
+    <p:sldId id="262" r:id="rId15"/>
   </p:sldIdLst>
   <p:sldSz cx="9144000" cy="5143500" type="screen16x9"/>
   <p:notesSz cx="6858000" cy="9144000"/>
@@ -7612,6 +7614,241 @@
           <a:chExt cx="0" cy="0"/>
         </a:xfrm>
       </p:grpSpPr>
+      <p:pic>
+        <p:nvPicPr>
+          <p:cNvPr id="9" name="صورة 8">
+            <a:extLst>
+              <a:ext uri="{FF2B5EF4-FFF2-40B4-BE49-F238E27FC236}">
+                <a16:creationId xmlns:a16="http://schemas.microsoft.com/office/drawing/2014/main" id="{06B1D8A7-DC73-48EF-9C7C-FCF95D36BD18}"/>
+              </a:ext>
+            </a:extLst>
+          </p:cNvPr>
+          <p:cNvPicPr>
+            <a:picLocks noChangeAspect="1"/>
+          </p:cNvPicPr>
+          <p:nvPr/>
+        </p:nvPicPr>
+        <p:blipFill>
+          <a:blip r:embed="rId2">
+            <a:extLst>
+              <a:ext uri="{28A0092B-C50C-407E-A947-70E740481C1C}">
+                <a14:useLocalDpi xmlns:a14="http://schemas.microsoft.com/office/drawing/2010/main" val="0"/>
+              </a:ext>
+            </a:extLst>
+          </a:blip>
+          <a:stretch>
+            <a:fillRect/>
+          </a:stretch>
+        </p:blipFill>
+        <p:spPr>
+          <a:xfrm>
+            <a:off x="-468560" y="627534"/>
+            <a:ext cx="5485714" cy="3657143"/>
+          </a:xfrm>
+          <a:prstGeom prst="rect">
+            <a:avLst/>
+          </a:prstGeom>
+        </p:spPr>
+      </p:pic>
+      <p:pic>
+        <p:nvPicPr>
+          <p:cNvPr id="11" name="صورة 10">
+            <a:extLst>
+              <a:ext uri="{FF2B5EF4-FFF2-40B4-BE49-F238E27FC236}">
+                <a16:creationId xmlns:a16="http://schemas.microsoft.com/office/drawing/2014/main" id="{BA625E62-0377-4A01-A0BF-BFF4B8D8CC6C}"/>
+              </a:ext>
+            </a:extLst>
+          </p:cNvPr>
+          <p:cNvPicPr>
+            <a:picLocks noChangeAspect="1"/>
+          </p:cNvPicPr>
+          <p:nvPr/>
+        </p:nvPicPr>
+        <p:blipFill>
+          <a:blip r:embed="rId3">
+            <a:extLst>
+              <a:ext uri="{28A0092B-C50C-407E-A947-70E740481C1C}">
+                <a14:useLocalDpi xmlns:a14="http://schemas.microsoft.com/office/drawing/2010/main" val="0"/>
+              </a:ext>
+            </a:extLst>
+          </a:blip>
+          <a:stretch>
+            <a:fillRect/>
+          </a:stretch>
+        </p:blipFill>
+        <p:spPr>
+          <a:xfrm>
+            <a:off x="2195736" y="1668597"/>
+            <a:ext cx="9144000" cy="3227294"/>
+          </a:xfrm>
+          <a:prstGeom prst="rect">
+            <a:avLst/>
+          </a:prstGeom>
+        </p:spPr>
+      </p:pic>
+      <p:sp>
+        <p:nvSpPr>
+          <p:cNvPr id="15" name="عنوان 3">
+            <a:extLst>
+              <a:ext uri="{FF2B5EF4-FFF2-40B4-BE49-F238E27FC236}">
+                <a16:creationId xmlns:a16="http://schemas.microsoft.com/office/drawing/2014/main" id="{BC58665C-DC75-4D96-860B-528B5EBA008A}"/>
+              </a:ext>
+            </a:extLst>
+          </p:cNvPr>
+          <p:cNvSpPr txBox="1">
+            <a:spLocks/>
+          </p:cNvSpPr>
+          <p:nvPr/>
+        </p:nvSpPr>
+        <p:spPr>
+          <a:xfrm>
+            <a:off x="1700064" y="203870"/>
+            <a:ext cx="9144000" cy="884466"/>
+          </a:xfrm>
+          <a:prstGeom prst="rect">
+            <a:avLst/>
+          </a:prstGeom>
+        </p:spPr>
+        <p:txBody>
+          <a:bodyPr anchor="ctr"/>
+          <a:lstStyle>
+            <a:lvl1pPr algn="l" defTabSz="914400" rtl="0" eaLnBrk="1" latinLnBrk="1" hangingPunct="1">
+              <a:spcBef>
+                <a:spcPct val="0"/>
+              </a:spcBef>
+              <a:buNone/>
+              <a:defRPr sz="3600" b="1" kern="1200">
+                <a:solidFill>
+                  <a:schemeClr val="tx1">
+                    <a:lumMod val="75000"/>
+                    <a:lumOff val="25000"/>
+                  </a:schemeClr>
+                </a:solidFill>
+                <a:latin typeface="Arial" pitchFamily="34" charset="0"/>
+                <a:ea typeface="+mj-ea"/>
+                <a:cs typeface="Arial" pitchFamily="34" charset="0"/>
+              </a:defRPr>
+            </a:lvl1pPr>
+          </a:lstStyle>
+          <a:p>
+            <a:r>
+              <a:rPr lang="en-US" dirty="0"/>
+              <a:t>Results </a:t>
+            </a:r>
+            <a:endParaRPr lang="ar-SA" dirty="0"/>
+          </a:p>
+        </p:txBody>
+      </p:sp>
+    </p:spTree>
+    <p:extLst>
+      <p:ext uri="{BB962C8B-B14F-4D97-AF65-F5344CB8AC3E}">
+        <p14:creationId xmlns:p14="http://schemas.microsoft.com/office/powerpoint/2010/main" val="2726373693"/>
+      </p:ext>
+    </p:extLst>
+  </p:cSld>
+  <p:clrMapOvr>
+    <a:masterClrMapping/>
+  </p:clrMapOvr>
+</p:sld>
+</file>
+
+<file path=ppt/slides/slide11.xml><?xml version="1.0" encoding="utf-8"?>
+<p:sld xmlns:a="http://schemas.openxmlformats.org/drawingml/2006/main" xmlns:r="http://schemas.openxmlformats.org/officeDocument/2006/relationships" xmlns:p="http://schemas.openxmlformats.org/presentationml/2006/main">
+  <p:cSld>
+    <p:spTree>
+      <p:nvGrpSpPr>
+        <p:cNvPr id="1" name=""/>
+        <p:cNvGrpSpPr/>
+        <p:nvPr/>
+      </p:nvGrpSpPr>
+      <p:grpSpPr>
+        <a:xfrm>
+          <a:off x="0" y="0"/>
+          <a:ext cx="0" cy="0"/>
+          <a:chOff x="0" y="0"/>
+          <a:chExt cx="0" cy="0"/>
+        </a:xfrm>
+      </p:grpSpPr>
+      <p:sp>
+        <p:nvSpPr>
+          <p:cNvPr id="2" name="عنوان 1">
+            <a:extLst>
+              <a:ext uri="{FF2B5EF4-FFF2-40B4-BE49-F238E27FC236}">
+                <a16:creationId xmlns:a16="http://schemas.microsoft.com/office/drawing/2014/main" id="{6AD7E503-388D-49E8-A99F-AC297C5B142B}"/>
+              </a:ext>
+            </a:extLst>
+          </p:cNvPr>
+          <p:cNvSpPr txBox="1">
+            <a:spLocks/>
+          </p:cNvSpPr>
+          <p:nvPr/>
+        </p:nvSpPr>
+        <p:spPr>
+          <a:xfrm>
+            <a:off x="467544" y="1851670"/>
+            <a:ext cx="9144000" cy="884466"/>
+          </a:xfrm>
+          <a:prstGeom prst="rect">
+            <a:avLst/>
+          </a:prstGeom>
+        </p:spPr>
+        <p:txBody>
+          <a:bodyPr/>
+          <a:lstStyle>
+            <a:lvl1pPr algn="ctr" defTabSz="914400" rtl="0" eaLnBrk="1" latinLnBrk="1" hangingPunct="1">
+              <a:spcBef>
+                <a:spcPct val="0"/>
+              </a:spcBef>
+              <a:buNone/>
+              <a:defRPr sz="3600" b="1" kern="1200">
+                <a:solidFill>
+                  <a:schemeClr val="tx1"/>
+                </a:solidFill>
+                <a:latin typeface="Arial" pitchFamily="34" charset="0"/>
+                <a:ea typeface="+mj-ea"/>
+                <a:cs typeface="Arial" pitchFamily="34" charset="0"/>
+              </a:defRPr>
+            </a:lvl1pPr>
+          </a:lstStyle>
+          <a:p>
+            <a:r>
+              <a:rPr lang="en-US" dirty="0"/>
+              <a:t>Conclusion</a:t>
+            </a:r>
+            <a:endParaRPr lang="ar-SA" dirty="0"/>
+          </a:p>
+        </p:txBody>
+      </p:sp>
+    </p:spTree>
+    <p:extLst>
+      <p:ext uri="{BB962C8B-B14F-4D97-AF65-F5344CB8AC3E}">
+        <p14:creationId xmlns:p14="http://schemas.microsoft.com/office/powerpoint/2010/main" val="568225713"/>
+      </p:ext>
+    </p:extLst>
+  </p:cSld>
+  <p:clrMapOvr>
+    <a:masterClrMapping/>
+  </p:clrMapOvr>
+</p:sld>
+</file>
+
+<file path=ppt/slides/slide12.xml><?xml version="1.0" encoding="utf-8"?>
+<p:sld xmlns:a="http://schemas.openxmlformats.org/drawingml/2006/main" xmlns:r="http://schemas.openxmlformats.org/officeDocument/2006/relationships" xmlns:p="http://schemas.openxmlformats.org/presentationml/2006/main">
+  <p:cSld>
+    <p:spTree>
+      <p:nvGrpSpPr>
+        <p:cNvPr id="1" name=""/>
+        <p:cNvGrpSpPr/>
+        <p:nvPr/>
+      </p:nvGrpSpPr>
+      <p:grpSpPr>
+        <a:xfrm>
+          <a:off x="0" y="0"/>
+          <a:ext cx="0" cy="0"/>
+          <a:chOff x="0" y="0"/>
+          <a:chExt cx="0" cy="0"/>
+        </a:xfrm>
+      </p:grpSpPr>
       <p:graphicFrame>
         <p:nvGraphicFramePr>
           <p:cNvPr id="10" name="Content Placeholder 3">
@@ -7751,7 +7988,7 @@
 </p:sld>
 </file>
 
-<file path=ppt/slides/slide11.xml><?xml version="1.0" encoding="utf-8"?>
+<file path=ppt/slides/slide13.xml><?xml version="1.0" encoding="utf-8"?>
 <p:sld xmlns:a="http://schemas.openxmlformats.org/drawingml/2006/main" xmlns:r="http://schemas.openxmlformats.org/officeDocument/2006/relationships" xmlns:p="http://schemas.openxmlformats.org/presentationml/2006/main">
   <p:cSld>
     <p:spTree>
@@ -7792,7 +8029,7 @@
           <a:p>
             <a:pPr algn="ctr"/>
             <a:r>
-              <a:rPr lang="en-GB" sz="2800" b="1">
+              <a:rPr lang="en-GB" sz="2800" b="1" dirty="0">
                 <a:latin typeface="Calibri" panose="020F0502020204030204" pitchFamily="34" charset="0"/>
                 <a:cs typeface="Calibri" panose="020F0502020204030204" pitchFamily="34" charset="0"/>
               </a:rPr>
@@ -7801,7 +8038,7 @@
           </a:p>
           <a:p>
             <a:pPr algn="ctr"/>
-            <a:endParaRPr lang="en-GB" sz="2800" b="1">
+            <a:endParaRPr lang="en-GB" sz="2800" b="1" dirty="0">
               <a:latin typeface="Calibri" panose="020F0502020204030204" pitchFamily="34" charset="0"/>
               <a:cs typeface="Calibri" panose="020F0502020204030204" pitchFamily="34" charset="0"/>
             </a:endParaRPr>
@@ -7809,16 +8046,12 @@
           <a:p>
             <a:pPr algn="ctr"/>
             <a:r>
-              <a:rPr lang="en-GB" sz="2800" b="1">
+              <a:rPr lang="en-GB" sz="2800" b="1" dirty="0">
                 <a:latin typeface="Calibri" panose="020F0502020204030204" pitchFamily="34" charset="0"/>
                 <a:cs typeface="Calibri" panose="020F0502020204030204" pitchFamily="34" charset="0"/>
               </a:rPr>
               <a:t>Thank you for listening</a:t>
             </a:r>
-            <a:endParaRPr lang="en-GB" sz="2800" b="1" dirty="0">
-              <a:latin typeface="Calibri" panose="020F0502020204030204" pitchFamily="34" charset="0"/>
-              <a:cs typeface="Calibri" panose="020F0502020204030204" pitchFamily="34" charset="0"/>
-            </a:endParaRPr>
           </a:p>
         </p:txBody>
       </p:sp>
@@ -7961,7 +8194,7 @@
                 <a:latin typeface="Calibri Light" panose="020F0302020204030204" pitchFamily="34" charset="0"/>
                 <a:cs typeface="Calibri Light" panose="020F0302020204030204" pitchFamily="34" charset="0"/>
               </a:rPr>
-              <a:t>Backstory.</a:t>
+              <a:t>Introduction.</a:t>
             </a:r>
           </a:p>
           <a:p>
@@ -8035,6 +8268,36 @@
               </a:rPr>
               <a:t>Tools.</a:t>
             </a:r>
+          </a:p>
+          <a:p>
+            <a:pPr marL="285750" indent="-285750" algn="just">
+              <a:buFont typeface="Wingdings" panose="05000000000000000000" pitchFamily="2" charset="2"/>
+              <a:buChar char="v"/>
+            </a:pPr>
+            <a:r>
+              <a:rPr lang="en-US" altLang="ko-KR" sz="2400" dirty="0">
+                <a:solidFill>
+                  <a:schemeClr val="accent5">
+                    <a:lumMod val="75000"/>
+                  </a:schemeClr>
+                </a:solidFill>
+                <a:latin typeface="Calibri Light" panose="020F0302020204030204" pitchFamily="34" charset="0"/>
+                <a:cs typeface="Calibri Light" panose="020F0302020204030204" pitchFamily="34" charset="0"/>
+              </a:rPr>
+              <a:t>Conclusion.</a:t>
+            </a:r>
+          </a:p>
+          <a:p>
+            <a:pPr algn="just"/>
+            <a:endParaRPr lang="en-US" altLang="ko-KR" sz="2400" dirty="0">
+              <a:solidFill>
+                <a:schemeClr val="accent5">
+                  <a:lumMod val="75000"/>
+                </a:schemeClr>
+              </a:solidFill>
+              <a:latin typeface="Calibri Light" panose="020F0302020204030204" pitchFamily="34" charset="0"/>
+              <a:cs typeface="Calibri Light" panose="020F0302020204030204" pitchFamily="34" charset="0"/>
+            </a:endParaRPr>
           </a:p>
           <a:p>
             <a:pPr algn="just"/>
@@ -8310,8 +8573,25 @@
                 <a:latin typeface="+mj-lt"/>
                 <a:cs typeface="+mj-cs"/>
               </a:rPr>
-              <a:t>Backstory</a:t>
+              <a:t>The </a:t>
             </a:r>
+            <a:r>
+              <a:rPr lang="en-US" sz="2700" dirty="0" err="1">
+                <a:solidFill>
+                  <a:schemeClr val="tx1"/>
+                </a:solidFill>
+                <a:latin typeface="+mj-lt"/>
+                <a:cs typeface="+mj-cs"/>
+              </a:rPr>
+              <a:t>dataseat</a:t>
+            </a:r>
+            <a:endParaRPr lang="en-US" sz="2700" dirty="0">
+              <a:solidFill>
+                <a:schemeClr val="tx1"/>
+              </a:solidFill>
+              <a:latin typeface="+mj-lt"/>
+              <a:cs typeface="+mj-cs"/>
+            </a:endParaRPr>
           </a:p>
         </p:txBody>
       </p:sp>
@@ -10689,10 +10969,10 @@
       </p:sp>
       <p:pic>
         <p:nvPicPr>
-          <p:cNvPr id="14" name="صورة 13">
+          <p:cNvPr id="3" name="صورة 2">
             <a:extLst>
               <a:ext uri="{FF2B5EF4-FFF2-40B4-BE49-F238E27FC236}">
-                <a16:creationId xmlns:a16="http://schemas.microsoft.com/office/drawing/2014/main" id="{F37E349F-B862-4710-AA68-F05BF9C02B09}"/>
+                <a16:creationId xmlns:a16="http://schemas.microsoft.com/office/drawing/2014/main" id="{1813496A-7D56-44CB-850F-77565FA21DEF}"/>
               </a:ext>
             </a:extLst>
           </p:cNvPr>
@@ -10709,8 +10989,38 @@
         </p:blipFill>
         <p:spPr>
           <a:xfrm>
-            <a:off x="437791" y="1203598"/>
-            <a:ext cx="8268417" cy="3406435"/>
+            <a:off x="428624" y="1620101"/>
+            <a:ext cx="8286750" cy="523875"/>
+          </a:xfrm>
+          <a:prstGeom prst="rect">
+            <a:avLst/>
+          </a:prstGeom>
+        </p:spPr>
+      </p:pic>
+      <p:pic>
+        <p:nvPicPr>
+          <p:cNvPr id="5" name="صورة 4">
+            <a:extLst>
+              <a:ext uri="{FF2B5EF4-FFF2-40B4-BE49-F238E27FC236}">
+                <a16:creationId xmlns:a16="http://schemas.microsoft.com/office/drawing/2014/main" id="{B3F7F6E5-6D2D-426B-B098-E33E324A6765}"/>
+              </a:ext>
+            </a:extLst>
+          </p:cNvPr>
+          <p:cNvPicPr>
+            <a:picLocks noChangeAspect="1"/>
+          </p:cNvPicPr>
+          <p:nvPr/>
+        </p:nvPicPr>
+        <p:blipFill>
+          <a:blip r:embed="rId4"/>
+          <a:stretch>
+            <a:fillRect/>
+          </a:stretch>
+        </p:blipFill>
+        <p:spPr>
+          <a:xfrm>
+            <a:off x="3776662" y="771550"/>
+            <a:ext cx="1590675" cy="323850"/>
           </a:xfrm>
           <a:prstGeom prst="rect">
             <a:avLst/>
@@ -10731,6 +11041,89 @@
 </file>
 
 <file path=ppt/slides/slide8.xml><?xml version="1.0" encoding="utf-8"?>
+<p:sld xmlns:a="http://schemas.openxmlformats.org/drawingml/2006/main" xmlns:r="http://schemas.openxmlformats.org/officeDocument/2006/relationships" xmlns:p="http://schemas.openxmlformats.org/presentationml/2006/main">
+  <p:cSld>
+    <p:spTree>
+      <p:nvGrpSpPr>
+        <p:cNvPr id="1" name=""/>
+        <p:cNvGrpSpPr/>
+        <p:nvPr/>
+      </p:nvGrpSpPr>
+      <p:grpSpPr>
+        <a:xfrm>
+          <a:off x="0" y="0"/>
+          <a:ext cx="0" cy="0"/>
+          <a:chOff x="0" y="0"/>
+          <a:chExt cx="0" cy="0"/>
+        </a:xfrm>
+      </p:grpSpPr>
+      <p:sp>
+        <p:nvSpPr>
+          <p:cNvPr id="2" name="عنوان 3">
+            <a:extLst>
+              <a:ext uri="{FF2B5EF4-FFF2-40B4-BE49-F238E27FC236}">
+                <a16:creationId xmlns:a16="http://schemas.microsoft.com/office/drawing/2014/main" id="{FD7D169C-1BE4-487E-9C66-216FD2D59513}"/>
+              </a:ext>
+            </a:extLst>
+          </p:cNvPr>
+          <p:cNvSpPr txBox="1">
+            <a:spLocks/>
+          </p:cNvSpPr>
+          <p:nvPr/>
+        </p:nvSpPr>
+        <p:spPr>
+          <a:xfrm>
+            <a:off x="4932040" y="1563638"/>
+            <a:ext cx="9144000" cy="884466"/>
+          </a:xfrm>
+          <a:prstGeom prst="rect">
+            <a:avLst/>
+          </a:prstGeom>
+        </p:spPr>
+        <p:txBody>
+          <a:bodyPr anchor="ctr"/>
+          <a:lstStyle>
+            <a:lvl1pPr algn="l" defTabSz="914400" rtl="0" eaLnBrk="1" latinLnBrk="1" hangingPunct="1">
+              <a:spcBef>
+                <a:spcPct val="0"/>
+              </a:spcBef>
+              <a:buNone/>
+              <a:defRPr sz="3600" b="1" kern="1200">
+                <a:solidFill>
+                  <a:schemeClr val="tx1">
+                    <a:lumMod val="75000"/>
+                    <a:lumOff val="25000"/>
+                  </a:schemeClr>
+                </a:solidFill>
+                <a:latin typeface="Arial" pitchFamily="34" charset="0"/>
+                <a:ea typeface="+mj-ea"/>
+                <a:cs typeface="Arial" pitchFamily="34" charset="0"/>
+              </a:defRPr>
+            </a:lvl1pPr>
+          </a:lstStyle>
+          <a:p>
+            <a:r>
+              <a:rPr lang="en-US" dirty="0"/>
+              <a:t>Challenge</a:t>
+            </a:r>
+            <a:endParaRPr lang="ar-SA" dirty="0"/>
+          </a:p>
+        </p:txBody>
+      </p:sp>
+    </p:spTree>
+    <p:extLst>
+      <p:ext uri="{BB962C8B-B14F-4D97-AF65-F5344CB8AC3E}">
+        <p14:creationId xmlns:p14="http://schemas.microsoft.com/office/powerpoint/2010/main" val="2670862828"/>
+      </p:ext>
+    </p:extLst>
+  </p:cSld>
+  <p:clrMapOvr>
+    <a:masterClrMapping/>
+  </p:clrMapOvr>
+</p:sld>
+</file>
+
+<file path=ppt/slides/slide9.xml><?xml version="1.0" encoding="utf-8"?>
 <p:sld xmlns:a="http://schemas.openxmlformats.org/drawingml/2006/main" xmlns:r="http://schemas.openxmlformats.org/officeDocument/2006/relationships" xmlns:p="http://schemas.openxmlformats.org/presentationml/2006/main">
   <p:cSld>
     <p:spTree>
@@ -10889,161 +11282,6 @@
     <p:extLst>
       <p:ext uri="{BB962C8B-B14F-4D97-AF65-F5344CB8AC3E}">
         <p14:creationId xmlns:p14="http://schemas.microsoft.com/office/powerpoint/2010/main" val="3428744597"/>
-      </p:ext>
-    </p:extLst>
-  </p:cSld>
-  <p:clrMapOvr>
-    <a:masterClrMapping/>
-  </p:clrMapOvr>
-</p:sld>
-</file>
-
-<file path=ppt/slides/slide9.xml><?xml version="1.0" encoding="utf-8"?>
-<p:sld xmlns:a="http://schemas.openxmlformats.org/drawingml/2006/main" xmlns:r="http://schemas.openxmlformats.org/officeDocument/2006/relationships" xmlns:p="http://schemas.openxmlformats.org/presentationml/2006/main">
-  <p:cSld>
-    <p:spTree>
-      <p:nvGrpSpPr>
-        <p:cNvPr id="1" name=""/>
-        <p:cNvGrpSpPr/>
-        <p:nvPr/>
-      </p:nvGrpSpPr>
-      <p:grpSpPr>
-        <a:xfrm>
-          <a:off x="0" y="0"/>
-          <a:ext cx="0" cy="0"/>
-          <a:chOff x="0" y="0"/>
-          <a:chExt cx="0" cy="0"/>
-        </a:xfrm>
-      </p:grpSpPr>
-      <p:pic>
-        <p:nvPicPr>
-          <p:cNvPr id="9" name="صورة 8">
-            <a:extLst>
-              <a:ext uri="{FF2B5EF4-FFF2-40B4-BE49-F238E27FC236}">
-                <a16:creationId xmlns:a16="http://schemas.microsoft.com/office/drawing/2014/main" id="{06B1D8A7-DC73-48EF-9C7C-FCF95D36BD18}"/>
-              </a:ext>
-            </a:extLst>
-          </p:cNvPr>
-          <p:cNvPicPr>
-            <a:picLocks noChangeAspect="1"/>
-          </p:cNvPicPr>
-          <p:nvPr/>
-        </p:nvPicPr>
-        <p:blipFill>
-          <a:blip r:embed="rId2">
-            <a:extLst>
-              <a:ext uri="{28A0092B-C50C-407E-A947-70E740481C1C}">
-                <a14:useLocalDpi xmlns:a14="http://schemas.microsoft.com/office/drawing/2010/main" val="0"/>
-              </a:ext>
-            </a:extLst>
-          </a:blip>
-          <a:stretch>
-            <a:fillRect/>
-          </a:stretch>
-        </p:blipFill>
-        <p:spPr>
-          <a:xfrm>
-            <a:off x="-468560" y="627534"/>
-            <a:ext cx="5485714" cy="3657143"/>
-          </a:xfrm>
-          <a:prstGeom prst="rect">
-            <a:avLst/>
-          </a:prstGeom>
-        </p:spPr>
-      </p:pic>
-      <p:pic>
-        <p:nvPicPr>
-          <p:cNvPr id="11" name="صورة 10">
-            <a:extLst>
-              <a:ext uri="{FF2B5EF4-FFF2-40B4-BE49-F238E27FC236}">
-                <a16:creationId xmlns:a16="http://schemas.microsoft.com/office/drawing/2014/main" id="{BA625E62-0377-4A01-A0BF-BFF4B8D8CC6C}"/>
-              </a:ext>
-            </a:extLst>
-          </p:cNvPr>
-          <p:cNvPicPr>
-            <a:picLocks noChangeAspect="1"/>
-          </p:cNvPicPr>
-          <p:nvPr/>
-        </p:nvPicPr>
-        <p:blipFill>
-          <a:blip r:embed="rId3">
-            <a:extLst>
-              <a:ext uri="{28A0092B-C50C-407E-A947-70E740481C1C}">
-                <a14:useLocalDpi xmlns:a14="http://schemas.microsoft.com/office/drawing/2010/main" val="0"/>
-              </a:ext>
-            </a:extLst>
-          </a:blip>
-          <a:stretch>
-            <a:fillRect/>
-          </a:stretch>
-        </p:blipFill>
-        <p:spPr>
-          <a:xfrm>
-            <a:off x="2195736" y="1668597"/>
-            <a:ext cx="9144000" cy="3227294"/>
-          </a:xfrm>
-          <a:prstGeom prst="rect">
-            <a:avLst/>
-          </a:prstGeom>
-        </p:spPr>
-      </p:pic>
-      <p:sp>
-        <p:nvSpPr>
-          <p:cNvPr id="15" name="عنوان 3">
-            <a:extLst>
-              <a:ext uri="{FF2B5EF4-FFF2-40B4-BE49-F238E27FC236}">
-                <a16:creationId xmlns:a16="http://schemas.microsoft.com/office/drawing/2014/main" id="{BC58665C-DC75-4D96-860B-528B5EBA008A}"/>
-              </a:ext>
-            </a:extLst>
-          </p:cNvPr>
-          <p:cNvSpPr txBox="1">
-            <a:spLocks/>
-          </p:cNvSpPr>
-          <p:nvPr/>
-        </p:nvSpPr>
-        <p:spPr>
-          <a:xfrm>
-            <a:off x="1700064" y="203870"/>
-            <a:ext cx="9144000" cy="884466"/>
-          </a:xfrm>
-          <a:prstGeom prst="rect">
-            <a:avLst/>
-          </a:prstGeom>
-        </p:spPr>
-        <p:txBody>
-          <a:bodyPr anchor="ctr"/>
-          <a:lstStyle>
-            <a:lvl1pPr algn="l" defTabSz="914400" rtl="0" eaLnBrk="1" latinLnBrk="1" hangingPunct="1">
-              <a:spcBef>
-                <a:spcPct val="0"/>
-              </a:spcBef>
-              <a:buNone/>
-              <a:defRPr sz="3600" b="1" kern="1200">
-                <a:solidFill>
-                  <a:schemeClr val="tx1">
-                    <a:lumMod val="75000"/>
-                    <a:lumOff val="25000"/>
-                  </a:schemeClr>
-                </a:solidFill>
-                <a:latin typeface="Arial" pitchFamily="34" charset="0"/>
-                <a:ea typeface="+mj-ea"/>
-                <a:cs typeface="Arial" pitchFamily="34" charset="0"/>
-              </a:defRPr>
-            </a:lvl1pPr>
-          </a:lstStyle>
-          <a:p>
-            <a:r>
-              <a:rPr lang="en-US" dirty="0"/>
-              <a:t>Results </a:t>
-            </a:r>
-            <a:endParaRPr lang="ar-SA" dirty="0"/>
-          </a:p>
-        </p:txBody>
-      </p:sp>
-    </p:spTree>
-    <p:extLst>
-      <p:ext uri="{BB962C8B-B14F-4D97-AF65-F5344CB8AC3E}">
-        <p14:creationId xmlns:p14="http://schemas.microsoft.com/office/powerpoint/2010/main" val="2726373693"/>
       </p:ext>
     </p:extLst>
   </p:cSld>
